--- a/appuntiVari.pptx
+++ b/appuntiVari.pptx
@@ -7,6 +7,7 @@
   <p:sldIdLst>
     <p:sldId id="280" r:id="rId2"/>
     <p:sldId id="281" r:id="rId3"/>
+    <p:sldId id="282" r:id="rId4"/>
   </p:sldIdLst>
   <p:sldSz cx="12192000" cy="6858000"/>
   <p:notesSz cx="6858000" cy="9144000"/>
@@ -105,13 +106,18 @@
       </a:defRPr>
     </a:lvl9pPr>
   </p:defaultTextStyle>
+  <p:extLst>
+    <p:ext uri="{EFAFB233-063F-42B5-8137-9DF3F51BA10A}">
+      <p15:sldGuideLst xmlns:p15="http://schemas.microsoft.com/office/powerpoint/2012/main"/>
+    </p:ext>
+  </p:extLst>
 </p:presentation>
 </file>
 
 <file path=ppt/revisionInfo.xml><?xml version="1.0" encoding="utf-8"?>
 <p1510:revInfo xmlns:a="http://schemas.openxmlformats.org/drawingml/2006/main" xmlns:r="http://schemas.openxmlformats.org/officeDocument/2006/relationships" xmlns:p1510="http://schemas.microsoft.com/office/powerpoint/2015/10/main">
   <p1510:revLst>
-    <p1510:client id="{69A786B1-1205-4F4B-8BD5-A214647D599D}" v="1" dt="2022-11-16T13:10:48.989"/>
+    <p1510:client id="{69A786B1-1205-4F4B-8BD5-A214647D599D}" v="11" dt="2022-11-20T14:06:30.362"/>
   </p1510:revLst>
 </p1510:revInfo>
 </file>
@@ -120,8 +126,8 @@
 <pc:chgInfo xmlns:a="http://schemas.openxmlformats.org/drawingml/2006/main" xmlns:r="http://schemas.openxmlformats.org/officeDocument/2006/relationships" xmlns:ac="http://schemas.microsoft.com/office/drawing/2013/main/command" xmlns:pc="http://schemas.microsoft.com/office/powerpoint/2013/main/command">
   <pc:docChgLst>
     <pc:chgData name="Stefano Castagnoli" userId="b5b1c50746fa2fa2" providerId="LiveId" clId="{69A786B1-1205-4F4B-8BD5-A214647D599D}"/>
-    <pc:docChg chg="custSel addSld delSld modSld">
-      <pc:chgData name="Stefano Castagnoli" userId="b5b1c50746fa2fa2" providerId="LiveId" clId="{69A786B1-1205-4F4B-8BD5-A214647D599D}" dt="2022-11-16T13:11:19.078" v="29" actId="27636"/>
+    <pc:docChg chg="undo custSel addSld delSld modSld sldOrd">
+      <pc:chgData name="Stefano Castagnoli" userId="b5b1c50746fa2fa2" providerId="LiveId" clId="{69A786B1-1205-4F4B-8BD5-A214647D599D}" dt="2022-11-20T14:11:02.252" v="704" actId="108"/>
       <pc:docMkLst>
         <pc:docMk/>
       </pc:docMkLst>
@@ -133,11 +139,19 @@
         </pc:sldMkLst>
       </pc:sldChg>
       <pc:sldChg chg="modSp add mod">
-        <pc:chgData name="Stefano Castagnoli" userId="b5b1c50746fa2fa2" providerId="LiveId" clId="{69A786B1-1205-4F4B-8BD5-A214647D599D}" dt="2022-11-16T13:11:10.439" v="21" actId="20577"/>
+        <pc:chgData name="Stefano Castagnoli" userId="b5b1c50746fa2fa2" providerId="LiveId" clId="{69A786B1-1205-4F4B-8BD5-A214647D599D}" dt="2022-11-19T18:08:32.857" v="101" actId="2711"/>
         <pc:sldMkLst>
           <pc:docMk/>
           <pc:sldMk cId="2241224614" sldId="280"/>
         </pc:sldMkLst>
+        <pc:spChg chg="mod">
+          <ac:chgData name="Stefano Castagnoli" userId="b5b1c50746fa2fa2" providerId="LiveId" clId="{69A786B1-1205-4F4B-8BD5-A214647D599D}" dt="2022-11-19T18:08:32.857" v="101" actId="2711"/>
+          <ac:spMkLst>
+            <pc:docMk/>
+            <pc:sldMk cId="2241224614" sldId="280"/>
+            <ac:spMk id="3" creationId="{9139A51D-FF2F-A223-A571-C3FAE0F7319A}"/>
+          </ac:spMkLst>
+        </pc:spChg>
         <pc:spChg chg="mod">
           <ac:chgData name="Stefano Castagnoli" userId="b5b1c50746fa2fa2" providerId="LiveId" clId="{69A786B1-1205-4F4B-8BD5-A214647D599D}" dt="2022-11-16T13:11:10.439" v="21" actId="20577"/>
           <ac:spMkLst>
@@ -147,14 +161,14 @@
           </ac:spMkLst>
         </pc:spChg>
       </pc:sldChg>
-      <pc:sldChg chg="modSp add mod">
-        <pc:chgData name="Stefano Castagnoli" userId="b5b1c50746fa2fa2" providerId="LiveId" clId="{69A786B1-1205-4F4B-8BD5-A214647D599D}" dt="2022-11-16T13:11:19.078" v="29" actId="27636"/>
+      <pc:sldChg chg="addSp delSp modSp add mod ord">
+        <pc:chgData name="Stefano Castagnoli" userId="b5b1c50746fa2fa2" providerId="LiveId" clId="{69A786B1-1205-4F4B-8BD5-A214647D599D}" dt="2022-11-20T13:57:53.664" v="542" actId="20577"/>
         <pc:sldMkLst>
           <pc:docMk/>
           <pc:sldMk cId="2367655525" sldId="281"/>
         </pc:sldMkLst>
         <pc:spChg chg="mod">
-          <ac:chgData name="Stefano Castagnoli" userId="b5b1c50746fa2fa2" providerId="LiveId" clId="{69A786B1-1205-4F4B-8BD5-A214647D599D}" dt="2022-11-16T13:11:04.455" v="17" actId="20577"/>
+          <ac:chgData name="Stefano Castagnoli" userId="b5b1c50746fa2fa2" providerId="LiveId" clId="{69A786B1-1205-4F4B-8BD5-A214647D599D}" dt="2022-11-20T11:44:00.564" v="185" actId="20577"/>
           <ac:spMkLst>
             <pc:docMk/>
             <pc:sldMk cId="2367655525" sldId="281"/>
@@ -162,7 +176,7 @@
           </ac:spMkLst>
         </pc:spChg>
         <pc:spChg chg="mod">
-          <ac:chgData name="Stefano Castagnoli" userId="b5b1c50746fa2fa2" providerId="LiveId" clId="{69A786B1-1205-4F4B-8BD5-A214647D599D}" dt="2022-11-16T13:11:19.078" v="29" actId="27636"/>
+          <ac:chgData name="Stefano Castagnoli" userId="b5b1c50746fa2fa2" providerId="LiveId" clId="{69A786B1-1205-4F4B-8BD5-A214647D599D}" dt="2022-11-20T11:44:09.353" v="197" actId="20577"/>
           <ac:spMkLst>
             <pc:docMk/>
             <pc:sldMk cId="2367655525" sldId="281"/>
@@ -170,13 +184,59 @@
           </ac:spMkLst>
         </pc:spChg>
         <pc:spChg chg="mod">
-          <ac:chgData name="Stefano Castagnoli" userId="b5b1c50746fa2fa2" providerId="LiveId" clId="{69A786B1-1205-4F4B-8BD5-A214647D599D}" dt="2022-11-16T13:11:14.303" v="27" actId="20577"/>
+          <ac:chgData name="Stefano Castagnoli" userId="b5b1c50746fa2fa2" providerId="LiveId" clId="{69A786B1-1205-4F4B-8BD5-A214647D599D}" dt="2022-11-20T13:57:53.664" v="542" actId="20577"/>
           <ac:spMkLst>
             <pc:docMk/>
             <pc:sldMk cId="2367655525" sldId="281"/>
             <ac:spMk id="4" creationId="{CA447257-0F95-CFEE-5CAF-840CC70C1F04}"/>
           </ac:spMkLst>
         </pc:spChg>
+        <pc:spChg chg="add del">
+          <ac:chgData name="Stefano Castagnoli" userId="b5b1c50746fa2fa2" providerId="LiveId" clId="{69A786B1-1205-4F4B-8BD5-A214647D599D}" dt="2022-11-19T18:07:52.377" v="90"/>
+          <ac:spMkLst>
+            <pc:docMk/>
+            <pc:sldMk cId="2367655525" sldId="281"/>
+            <ac:spMk id="5" creationId="{115C08A3-4A49-2E18-A2E0-D39B12F4DEC6}"/>
+          </ac:spMkLst>
+        </pc:spChg>
+      </pc:sldChg>
+      <pc:sldChg chg="modSp add mod">
+        <pc:chgData name="Stefano Castagnoli" userId="b5b1c50746fa2fa2" providerId="LiveId" clId="{69A786B1-1205-4F4B-8BD5-A214647D599D}" dt="2022-11-20T14:11:02.252" v="704" actId="108"/>
+        <pc:sldMkLst>
+          <pc:docMk/>
+          <pc:sldMk cId="2861728545" sldId="282"/>
+        </pc:sldMkLst>
+        <pc:spChg chg="mod">
+          <ac:chgData name="Stefano Castagnoli" userId="b5b1c50746fa2fa2" providerId="LiveId" clId="{69A786B1-1205-4F4B-8BD5-A214647D599D}" dt="2022-11-20T13:58:21.226" v="575" actId="20577"/>
+          <ac:spMkLst>
+            <pc:docMk/>
+            <pc:sldMk cId="2861728545" sldId="282"/>
+            <ac:spMk id="2" creationId="{414AFC4F-2238-77C0-9926-702384EA80F3}"/>
+          </ac:spMkLst>
+        </pc:spChg>
+        <pc:spChg chg="mod">
+          <ac:chgData name="Stefano Castagnoli" userId="b5b1c50746fa2fa2" providerId="LiveId" clId="{69A786B1-1205-4F4B-8BD5-A214647D599D}" dt="2022-11-20T14:11:02.252" v="704" actId="108"/>
+          <ac:spMkLst>
+            <pc:docMk/>
+            <pc:sldMk cId="2861728545" sldId="282"/>
+            <ac:spMk id="3" creationId="{9139A51D-FF2F-A223-A571-C3FAE0F7319A}"/>
+          </ac:spMkLst>
+        </pc:spChg>
+        <pc:spChg chg="mod">
+          <ac:chgData name="Stefano Castagnoli" userId="b5b1c50746fa2fa2" providerId="LiveId" clId="{69A786B1-1205-4F4B-8BD5-A214647D599D}" dt="2022-11-20T13:58:04.084" v="555" actId="20577"/>
+          <ac:spMkLst>
+            <pc:docMk/>
+            <pc:sldMk cId="2861728545" sldId="282"/>
+            <ac:spMk id="4" creationId="{CA447257-0F95-CFEE-5CAF-840CC70C1F04}"/>
+          </ac:spMkLst>
+        </pc:spChg>
+      </pc:sldChg>
+      <pc:sldChg chg="new del">
+        <pc:chgData name="Stefano Castagnoli" userId="b5b1c50746fa2fa2" providerId="LiveId" clId="{69A786B1-1205-4F4B-8BD5-A214647D599D}" dt="2022-11-20T13:55:09.515" v="377" actId="680"/>
+        <pc:sldMkLst>
+          <pc:docMk/>
+          <pc:sldMk cId="1899296438" sldId="283"/>
+        </pc:sldMkLst>
       </pc:sldChg>
     </pc:docChg>
   </pc:docChgLst>
@@ -330,7 +390,7 @@
           <a:p>
             <a:fld id="{AB3BDD08-79C0-4109-B64D-4BA208C54455}" type="datetimeFigureOut">
               <a:rPr lang="it-IT" smtClean="0"/>
-              <a:t>16/11/2022</a:t>
+              <a:t>20/11/2022</a:t>
             </a:fld>
             <a:endParaRPr lang="it-IT"/>
           </a:p>
@@ -528,7 +588,7 @@
           <a:p>
             <a:fld id="{AB3BDD08-79C0-4109-B64D-4BA208C54455}" type="datetimeFigureOut">
               <a:rPr lang="it-IT" smtClean="0"/>
-              <a:t>16/11/2022</a:t>
+              <a:t>20/11/2022</a:t>
             </a:fld>
             <a:endParaRPr lang="it-IT"/>
           </a:p>
@@ -736,7 +796,7 @@
           <a:p>
             <a:fld id="{AB3BDD08-79C0-4109-B64D-4BA208C54455}" type="datetimeFigureOut">
               <a:rPr lang="it-IT" smtClean="0"/>
-              <a:t>16/11/2022</a:t>
+              <a:t>20/11/2022</a:t>
             </a:fld>
             <a:endParaRPr lang="it-IT"/>
           </a:p>
@@ -934,7 +994,7 @@
           <a:p>
             <a:fld id="{AB3BDD08-79C0-4109-B64D-4BA208C54455}" type="datetimeFigureOut">
               <a:rPr lang="it-IT" smtClean="0"/>
-              <a:t>16/11/2022</a:t>
+              <a:t>20/11/2022</a:t>
             </a:fld>
             <a:endParaRPr lang="it-IT"/>
           </a:p>
@@ -1209,7 +1269,7 @@
           <a:p>
             <a:fld id="{AB3BDD08-79C0-4109-B64D-4BA208C54455}" type="datetimeFigureOut">
               <a:rPr lang="it-IT" smtClean="0"/>
-              <a:t>16/11/2022</a:t>
+              <a:t>20/11/2022</a:t>
             </a:fld>
             <a:endParaRPr lang="it-IT"/>
           </a:p>
@@ -1474,7 +1534,7 @@
           <a:p>
             <a:fld id="{AB3BDD08-79C0-4109-B64D-4BA208C54455}" type="datetimeFigureOut">
               <a:rPr lang="it-IT" smtClean="0"/>
-              <a:t>16/11/2022</a:t>
+              <a:t>20/11/2022</a:t>
             </a:fld>
             <a:endParaRPr lang="it-IT"/>
           </a:p>
@@ -1886,7 +1946,7 @@
           <a:p>
             <a:fld id="{AB3BDD08-79C0-4109-B64D-4BA208C54455}" type="datetimeFigureOut">
               <a:rPr lang="it-IT" smtClean="0"/>
-              <a:t>16/11/2022</a:t>
+              <a:t>20/11/2022</a:t>
             </a:fld>
             <a:endParaRPr lang="it-IT"/>
           </a:p>
@@ -2027,7 +2087,7 @@
           <a:p>
             <a:fld id="{AB3BDD08-79C0-4109-B64D-4BA208C54455}" type="datetimeFigureOut">
               <a:rPr lang="it-IT" smtClean="0"/>
-              <a:t>16/11/2022</a:t>
+              <a:t>20/11/2022</a:t>
             </a:fld>
             <a:endParaRPr lang="it-IT"/>
           </a:p>
@@ -2140,7 +2200,7 @@
           <a:p>
             <a:fld id="{AB3BDD08-79C0-4109-B64D-4BA208C54455}" type="datetimeFigureOut">
               <a:rPr lang="it-IT" smtClean="0"/>
-              <a:t>16/11/2022</a:t>
+              <a:t>20/11/2022</a:t>
             </a:fld>
             <a:endParaRPr lang="it-IT"/>
           </a:p>
@@ -2451,7 +2511,7 @@
           <a:p>
             <a:fld id="{AB3BDD08-79C0-4109-B64D-4BA208C54455}" type="datetimeFigureOut">
               <a:rPr lang="it-IT" smtClean="0"/>
-              <a:t>16/11/2022</a:t>
+              <a:t>20/11/2022</a:t>
             </a:fld>
             <a:endParaRPr lang="it-IT"/>
           </a:p>
@@ -2739,7 +2799,7 @@
           <a:p>
             <a:fld id="{AB3BDD08-79C0-4109-B64D-4BA208C54455}" type="datetimeFigureOut">
               <a:rPr lang="it-IT" smtClean="0"/>
-              <a:t>16/11/2022</a:t>
+              <a:t>20/11/2022</a:t>
             </a:fld>
             <a:endParaRPr lang="it-IT"/>
           </a:p>
@@ -2980,7 +3040,7 @@
           <a:p>
             <a:fld id="{AB3BDD08-79C0-4109-B64D-4BA208C54455}" type="datetimeFigureOut">
               <a:rPr lang="it-IT" smtClean="0"/>
-              <a:t>16/11/2022</a:t>
+              <a:t>20/11/2022</a:t>
             </a:fld>
             <a:endParaRPr lang="it-IT"/>
           </a:p>
@@ -3466,18 +3526,21 @@
           <a:p>
             <a:r>
               <a:rPr lang="it-IT" dirty="0"/>
-              <a:t>Oltre ai numerosi ottimi tool grafici per l'interazione con </a:t>
-            </a:r>
-            <a:r>
-              <a:rPr lang="it-IT" dirty="0" err="1"/>
-              <a:t>PostgreSQL</a:t>
+              <a:t>Oltre ai numerosi ottimi tool </a:t>
+            </a:r>
+            <a:r>
+              <a:rPr lang="it-IT" sz="2700" dirty="0"/>
+              <a:t>grafici</a:t>
             </a:r>
             <a:r>
               <a:rPr lang="it-IT" dirty="0"/>
-              <a:t> possiamo usare l'applicazione </a:t>
-            </a:r>
-            <a:r>
-              <a:rPr lang="it-IT" dirty="0" err="1"/>
+              <a:t> per l'interazione Docker possiamo usare l'applicazione </a:t>
+            </a:r>
+            <a:r>
+              <a:rPr lang="it-IT" dirty="0" err="1">
+                <a:latin typeface="Courier New" panose="02070309020205020404" pitchFamily="49" charset="0"/>
+                <a:cs typeface="Courier New" panose="02070309020205020404" pitchFamily="49" charset="0"/>
+              </a:rPr>
               <a:t>tmux</a:t>
             </a:r>
             <a:r>
@@ -4244,7 +4307,35 @@
           <a:lstStyle/>
           <a:p>
             <a:pPr lvl="1"/>
-            <a:endParaRPr lang="it-IT" sz="3200" b="1" dirty="0">
+            <a:r>
+              <a:rPr lang="it-IT" sz="3200" dirty="0" err="1"/>
+              <a:t>cheatsheet</a:t>
+            </a:r>
+            <a:r>
+              <a:rPr lang="it-IT" sz="3200" dirty="0"/>
+              <a:t>:</a:t>
+            </a:r>
+          </a:p>
+          <a:p>
+            <a:pPr lvl="1"/>
+            <a:r>
+              <a:rPr lang="it-IT" sz="3200" dirty="0"/>
+              <a:t>bloccare e cancellare tutti i container correnti</a:t>
+            </a:r>
+          </a:p>
+          <a:p>
+            <a:pPr lvl="1"/>
+            <a:r>
+              <a:rPr lang="sv-SE" sz="2000" b="1" dirty="0">
+                <a:latin typeface="Courier New" panose="02070309020205020404" pitchFamily="49" charset="0"/>
+                <a:cs typeface="Courier New" panose="02070309020205020404" pitchFamily="49" charset="0"/>
+              </a:rPr>
+              <a:t>docker ps -aq | xargs docker stop | xargs docker rm</a:t>
+            </a:r>
+          </a:p>
+          <a:p>
+            <a:pPr lvl="1"/>
+            <a:endParaRPr lang="it-IT" sz="2000" b="1" dirty="0">
               <a:latin typeface="Courier New" panose="02070309020205020404" pitchFamily="49" charset="0"/>
               <a:cs typeface="Courier New" panose="02070309020205020404" pitchFamily="49" charset="0"/>
             </a:endParaRPr>
@@ -4299,10 +4390,9 @@
           </a:lstStyle>
           <a:p>
             <a:r>
-              <a:rPr lang="it-IT" dirty="0" err="1"/>
-              <a:t>docker</a:t>
-            </a:r>
-            <a:endParaRPr lang="it-IT" dirty="0"/>
+              <a:rPr lang="it-IT" dirty="0"/>
+              <a:t>Docker</a:t>
+            </a:r>
           </a:p>
         </p:txBody>
       </p:sp>
@@ -4310,6 +4400,334 @@
     <p:extLst>
       <p:ext uri="{BB962C8B-B14F-4D97-AF65-F5344CB8AC3E}">
         <p14:creationId xmlns:p14="http://schemas.microsoft.com/office/powerpoint/2010/main" val="2367655525"/>
+      </p:ext>
+    </p:extLst>
+  </p:cSld>
+  <p:clrMapOvr>
+    <a:masterClrMapping/>
+  </p:clrMapOvr>
+</p:sld>
+</file>
+
+<file path=ppt/slides/slide3.xml><?xml version="1.0" encoding="utf-8"?>
+<p:sld xmlns:a="http://schemas.openxmlformats.org/drawingml/2006/main" xmlns:r="http://schemas.openxmlformats.org/officeDocument/2006/relationships" xmlns:p="http://schemas.openxmlformats.org/presentationml/2006/main">
+  <p:cSld>
+    <p:spTree>
+      <p:nvGrpSpPr>
+        <p:cNvPr id="1" name=""/>
+        <p:cNvGrpSpPr/>
+        <p:nvPr/>
+      </p:nvGrpSpPr>
+      <p:grpSpPr>
+        <a:xfrm>
+          <a:off x="0" y="0"/>
+          <a:ext cx="0" cy="0"/>
+          <a:chOff x="0" y="0"/>
+          <a:chExt cx="0" cy="0"/>
+        </a:xfrm>
+      </p:grpSpPr>
+      <p:sp>
+        <p:nvSpPr>
+          <p:cNvPr id="2" name="Titolo 1">
+            <a:extLst>
+              <a:ext uri="{FF2B5EF4-FFF2-40B4-BE49-F238E27FC236}">
+                <a16:creationId xmlns:a16="http://schemas.microsoft.com/office/drawing/2014/main" id="{414AFC4F-2238-77C0-9926-702384EA80F3}"/>
+              </a:ext>
+            </a:extLst>
+          </p:cNvPr>
+          <p:cNvSpPr>
+            <a:spLocks noGrp="1"/>
+          </p:cNvSpPr>
+          <p:nvPr>
+            <p:ph type="title"/>
+          </p:nvPr>
+        </p:nvSpPr>
+        <p:spPr/>
+        <p:txBody>
+          <a:bodyPr/>
+          <a:lstStyle/>
+          <a:p>
+            <a:r>
+              <a:rPr lang="it-IT" dirty="0"/>
+              <a:t>Scambio file con shell Linux/Windows/MAC</a:t>
+            </a:r>
+            <a:endParaRPr lang="it-IT" dirty="0">
+              <a:latin typeface="Courier New" panose="02070309020205020404" pitchFamily="49" charset="0"/>
+              <a:cs typeface="Courier New" panose="02070309020205020404" pitchFamily="49" charset="0"/>
+            </a:endParaRPr>
+          </a:p>
+        </p:txBody>
+      </p:sp>
+      <p:sp>
+        <p:nvSpPr>
+          <p:cNvPr id="3" name="Segnaposto contenuto 2">
+            <a:extLst>
+              <a:ext uri="{FF2B5EF4-FFF2-40B4-BE49-F238E27FC236}">
+                <a16:creationId xmlns:a16="http://schemas.microsoft.com/office/drawing/2014/main" id="{9139A51D-FF2F-A223-A571-C3FAE0F7319A}"/>
+              </a:ext>
+            </a:extLst>
+          </p:cNvPr>
+          <p:cNvSpPr>
+            <a:spLocks noGrp="1"/>
+          </p:cNvSpPr>
+          <p:nvPr>
+            <p:ph idx="1"/>
+          </p:nvPr>
+        </p:nvSpPr>
+        <p:spPr>
+          <a:xfrm>
+            <a:off x="838200" y="1548533"/>
+            <a:ext cx="12009120" cy="5531139"/>
+          </a:xfrm>
+        </p:spPr>
+        <p:txBody>
+          <a:bodyPr>
+            <a:normAutofit/>
+          </a:bodyPr>
+          <a:lstStyle/>
+          <a:p>
+            <a:pPr lvl="1"/>
+            <a:r>
+              <a:rPr lang="it-IT" sz="3600" dirty="0"/>
+              <a:t>File da shell a shell:</a:t>
+            </a:r>
+          </a:p>
+          <a:p>
+            <a:pPr lvl="2"/>
+            <a:r>
+              <a:rPr lang="it-IT" dirty="0"/>
+              <a:t>upload: </a:t>
+            </a:r>
+            <a:r>
+              <a:rPr lang="en-US" sz="1600" dirty="0">
+                <a:latin typeface="Courier New" panose="02070309020205020404" pitchFamily="49" charset="0"/>
+                <a:cs typeface="Courier New" panose="02070309020205020404" pitchFamily="49" charset="0"/>
+              </a:rPr>
+              <a:t>curl --upload-file ./</a:t>
+            </a:r>
+            <a:r>
+              <a:rPr lang="en-US" sz="1600" dirty="0" err="1">
+                <a:latin typeface="Courier New" panose="02070309020205020404" pitchFamily="49" charset="0"/>
+                <a:cs typeface="Courier New" panose="02070309020205020404" pitchFamily="49" charset="0"/>
+              </a:rPr>
+              <a:t>nomeFileLocale</a:t>
+            </a:r>
+            <a:r>
+              <a:rPr lang="en-US" sz="1600" dirty="0">
+                <a:latin typeface="Courier New" panose="02070309020205020404" pitchFamily="49" charset="0"/>
+                <a:cs typeface="Courier New" panose="02070309020205020404" pitchFamily="49" charset="0"/>
+              </a:rPr>
+              <a:t> https://transfer.sh/nomeFileRemoto</a:t>
+            </a:r>
+          </a:p>
+          <a:p>
+            <a:pPr lvl="2"/>
+            <a:r>
+              <a:rPr lang="it-IT" dirty="0"/>
+              <a:t>download: </a:t>
+            </a:r>
+            <a:r>
+              <a:rPr lang="pt-BR" sz="1600" dirty="0">
+                <a:latin typeface="Courier New" panose="02070309020205020404" pitchFamily="49" charset="0"/>
+                <a:cs typeface="Courier New" panose="02070309020205020404" pitchFamily="49" charset="0"/>
+              </a:rPr>
+              <a:t>curl https://transfer.sh/CODICEOTTENUTO/nomeFileRemoto -o nomeFileLocale</a:t>
+            </a:r>
+            <a:endParaRPr lang="it-IT" sz="1600" dirty="0">
+              <a:latin typeface="Courier New" panose="02070309020205020404" pitchFamily="49" charset="0"/>
+              <a:cs typeface="Courier New" panose="02070309020205020404" pitchFamily="49" charset="0"/>
+            </a:endParaRPr>
+          </a:p>
+          <a:p>
+            <a:pPr lvl="2"/>
+            <a:endParaRPr lang="it-IT" sz="1600" dirty="0">
+              <a:latin typeface="Courier New" panose="02070309020205020404" pitchFamily="49" charset="0"/>
+              <a:cs typeface="Courier New" panose="02070309020205020404" pitchFamily="49" charset="0"/>
+            </a:endParaRPr>
+          </a:p>
+          <a:p>
+            <a:pPr lvl="1"/>
+            <a:r>
+              <a:rPr lang="it-IT" sz="3600" dirty="0"/>
+              <a:t>Copia file SSH (comando </a:t>
+            </a:r>
+            <a:r>
+              <a:rPr lang="it-IT" sz="3600" dirty="0" err="1"/>
+              <a:t>scp</a:t>
+            </a:r>
+            <a:r>
+              <a:rPr lang="it-IT" sz="3600" dirty="0"/>
+              <a:t>):</a:t>
+            </a:r>
+          </a:p>
+          <a:p>
+            <a:pPr marL="457200" lvl="1" indent="0">
+              <a:buNone/>
+            </a:pPr>
+            <a:r>
+              <a:rPr lang="it-IT" sz="1600" dirty="0" err="1">
+                <a:latin typeface="Courier New" panose="02070309020205020404" pitchFamily="49" charset="0"/>
+                <a:cs typeface="Courier New" panose="02070309020205020404" pitchFamily="49" charset="0"/>
+              </a:rPr>
+              <a:t>scp</a:t>
+            </a:r>
+            <a:r>
+              <a:rPr lang="it-IT" sz="1600" dirty="0">
+                <a:latin typeface="Courier New" panose="02070309020205020404" pitchFamily="49" charset="0"/>
+                <a:cs typeface="Courier New" panose="02070309020205020404" pitchFamily="49" charset="0"/>
+              </a:rPr>
+              <a:t> -P </a:t>
+            </a:r>
+            <a:r>
+              <a:rPr lang="it-IT" sz="1600" dirty="0" err="1">
+                <a:latin typeface="Courier New" panose="02070309020205020404" pitchFamily="49" charset="0"/>
+                <a:cs typeface="Courier New" panose="02070309020205020404" pitchFamily="49" charset="0"/>
+              </a:rPr>
+              <a:t>portaRemota</a:t>
+            </a:r>
+            <a:r>
+              <a:rPr lang="it-IT" sz="1600" dirty="0">
+                <a:latin typeface="Courier New" panose="02070309020205020404" pitchFamily="49" charset="0"/>
+                <a:cs typeface="Courier New" panose="02070309020205020404" pitchFamily="49" charset="0"/>
+              </a:rPr>
+              <a:t> </a:t>
+            </a:r>
+            <a:r>
+              <a:rPr lang="it-IT" sz="1600" dirty="0" err="1">
+                <a:latin typeface="Courier New" panose="02070309020205020404" pitchFamily="49" charset="0"/>
+                <a:cs typeface="Courier New" panose="02070309020205020404" pitchFamily="49" charset="0"/>
+              </a:rPr>
+              <a:t>nomeFileLocale</a:t>
+            </a:r>
+            <a:r>
+              <a:rPr lang="it-IT" sz="1600" dirty="0">
+                <a:latin typeface="Courier New" panose="02070309020205020404" pitchFamily="49" charset="0"/>
+                <a:cs typeface="Courier New" panose="02070309020205020404" pitchFamily="49" charset="0"/>
+              </a:rPr>
+              <a:t> utente@hostRemoto:/percorso/remoto/</a:t>
+            </a:r>
+          </a:p>
+          <a:p>
+            <a:pPr marL="457200" lvl="1" indent="0">
+              <a:buNone/>
+            </a:pPr>
+            <a:r>
+              <a:rPr lang="it-IT" sz="2000" dirty="0"/>
+              <a:t>(scambiando </a:t>
+            </a:r>
+            <a:r>
+              <a:rPr lang="it-IT" sz="2000" dirty="0" err="1"/>
+              <a:t>nomeFileLocale</a:t>
+            </a:r>
+            <a:r>
+              <a:rPr lang="it-IT" sz="2000" dirty="0"/>
+              <a:t> e utente@hostRemoto:/percorso/remoto/ la copia avviene nel senso opposto)</a:t>
+            </a:r>
+          </a:p>
+          <a:p>
+            <a:pPr marL="457200" lvl="1" indent="0">
+              <a:buNone/>
+            </a:pPr>
+            <a:endParaRPr lang="it-IT" sz="1600" dirty="0">
+              <a:latin typeface="Courier New" panose="02070309020205020404" pitchFamily="49" charset="0"/>
+              <a:cs typeface="Courier New" panose="02070309020205020404" pitchFamily="49" charset="0"/>
+            </a:endParaRPr>
+          </a:p>
+          <a:p>
+            <a:pPr lvl="1"/>
+            <a:r>
+              <a:rPr lang="it-IT" sz="3600" dirty="0"/>
+              <a:t>Immagini: </a:t>
+            </a:r>
+          </a:p>
+          <a:p>
+            <a:pPr lvl="2"/>
+            <a:r>
+              <a:rPr lang="it-IT" dirty="0"/>
+              <a:t>download:</a:t>
+            </a:r>
+            <a:r>
+              <a:rPr lang="it-IT" sz="1200" dirty="0">
+                <a:latin typeface="Courier New" panose="02070309020205020404" pitchFamily="49" charset="0"/>
+                <a:cs typeface="Courier New" panose="02070309020205020404" pitchFamily="49" charset="0"/>
+              </a:rPr>
+              <a:t> </a:t>
+            </a:r>
+            <a:r>
+              <a:rPr lang="it-IT" sz="1600" dirty="0" err="1">
+                <a:latin typeface="Courier New" panose="02070309020205020404" pitchFamily="49" charset="0"/>
+                <a:cs typeface="Courier New" panose="02070309020205020404" pitchFamily="49" charset="0"/>
+              </a:rPr>
+              <a:t>curl</a:t>
+            </a:r>
+            <a:r>
+              <a:rPr lang="it-IT" sz="1600" dirty="0">
+                <a:latin typeface="Courier New" panose="02070309020205020404" pitchFamily="49" charset="0"/>
+                <a:cs typeface="Courier New" panose="02070309020205020404" pitchFamily="49" charset="0"/>
+              </a:rPr>
+              <a:t> https://pasteboard.co/ADpgZ4Sjxr8t.png -o fileImmagine.png</a:t>
+            </a:r>
+          </a:p>
+        </p:txBody>
+      </p:sp>
+      <p:sp>
+        <p:nvSpPr>
+          <p:cNvPr id="4" name="Titolo 1">
+            <a:extLst>
+              <a:ext uri="{FF2B5EF4-FFF2-40B4-BE49-F238E27FC236}">
+                <a16:creationId xmlns:a16="http://schemas.microsoft.com/office/drawing/2014/main" id="{CA447257-0F95-CFEE-5CAF-840CC70C1F04}"/>
+              </a:ext>
+            </a:extLst>
+          </p:cNvPr>
+          <p:cNvSpPr txBox="1">
+            <a:spLocks/>
+          </p:cNvSpPr>
+          <p:nvPr/>
+        </p:nvSpPr>
+        <p:spPr>
+          <a:xfrm rot="10800000">
+            <a:off x="94673" y="482744"/>
+            <a:ext cx="662709" cy="5892511"/>
+          </a:xfrm>
+          <a:prstGeom prst="rect">
+            <a:avLst/>
+          </a:prstGeom>
+        </p:spPr>
+        <p:txBody>
+          <a:bodyPr vert="vert" lIns="91440" tIns="45720" rIns="91440" bIns="45720" rtlCol="0" anchor="ctr">
+            <a:normAutofit fontScale="92500" lnSpcReduction="20000"/>
+          </a:bodyPr>
+          <a:lstStyle>
+            <a:lvl1pPr algn="l" defTabSz="914400" rtl="0" eaLnBrk="1" latinLnBrk="0" hangingPunct="1">
+              <a:lnSpc>
+                <a:spcPct val="90000"/>
+              </a:lnSpc>
+              <a:spcBef>
+                <a:spcPct val="0"/>
+              </a:spcBef>
+              <a:buNone/>
+              <a:defRPr sz="4400" kern="1200">
+                <a:solidFill>
+                  <a:schemeClr val="tx1"/>
+                </a:solidFill>
+                <a:latin typeface="+mj-lt"/>
+                <a:ea typeface="+mj-ea"/>
+                <a:cs typeface="+mj-cs"/>
+              </a:defRPr>
+            </a:lvl1pPr>
+          </a:lstStyle>
+          <a:p>
+            <a:r>
+              <a:rPr lang="it-IT" dirty="0"/>
+              <a:t>Scambio file</a:t>
+            </a:r>
+          </a:p>
+        </p:txBody>
+      </p:sp>
+    </p:spTree>
+    <p:extLst>
+      <p:ext uri="{BB962C8B-B14F-4D97-AF65-F5344CB8AC3E}">
+        <p14:creationId xmlns:p14="http://schemas.microsoft.com/office/powerpoint/2010/main" val="2861728545"/>
       </p:ext>
     </p:extLst>
   </p:cSld>

--- a/appuntiVari.pptx
+++ b/appuntiVari.pptx
@@ -8,6 +8,7 @@
     <p:sldId id="280" r:id="rId2"/>
     <p:sldId id="281" r:id="rId3"/>
     <p:sldId id="282" r:id="rId4"/>
+    <p:sldId id="283" r:id="rId5"/>
   </p:sldIdLst>
   <p:sldSz cx="12192000" cy="6858000"/>
   <p:notesSz cx="6858000" cy="9144000"/>
@@ -127,7 +128,7 @@
   <pc:docChgLst>
     <pc:chgData name="Stefano Castagnoli" userId="b5b1c50746fa2fa2" providerId="LiveId" clId="{69A786B1-1205-4F4B-8BD5-A214647D599D}"/>
     <pc:docChg chg="undo custSel addSld delSld modSld sldOrd">
-      <pc:chgData name="Stefano Castagnoli" userId="b5b1c50746fa2fa2" providerId="LiveId" clId="{69A786B1-1205-4F4B-8BD5-A214647D599D}" dt="2022-11-20T14:11:02.252" v="704" actId="108"/>
+      <pc:chgData name="Stefano Castagnoli" userId="b5b1c50746fa2fa2" providerId="LiveId" clId="{69A786B1-1205-4F4B-8BD5-A214647D599D}" dt="2022-11-21T15:33:56.244" v="749" actId="47"/>
       <pc:docMkLst>
         <pc:docMk/>
       </pc:docMkLst>
@@ -162,7 +163,7 @@
         </pc:spChg>
       </pc:sldChg>
       <pc:sldChg chg="addSp delSp modSp add mod ord">
-        <pc:chgData name="Stefano Castagnoli" userId="b5b1c50746fa2fa2" providerId="LiveId" clId="{69A786B1-1205-4F4B-8BD5-A214647D599D}" dt="2022-11-20T13:57:53.664" v="542" actId="20577"/>
+        <pc:chgData name="Stefano Castagnoli" userId="b5b1c50746fa2fa2" providerId="LiveId" clId="{69A786B1-1205-4F4B-8BD5-A214647D599D}" dt="2022-11-21T14:18:41.555" v="710" actId="255"/>
         <pc:sldMkLst>
           <pc:docMk/>
           <pc:sldMk cId="2367655525" sldId="281"/>
@@ -176,7 +177,7 @@
           </ac:spMkLst>
         </pc:spChg>
         <pc:spChg chg="mod">
-          <ac:chgData name="Stefano Castagnoli" userId="b5b1c50746fa2fa2" providerId="LiveId" clId="{69A786B1-1205-4F4B-8BD5-A214647D599D}" dt="2022-11-20T11:44:09.353" v="197" actId="20577"/>
+          <ac:chgData name="Stefano Castagnoli" userId="b5b1c50746fa2fa2" providerId="LiveId" clId="{69A786B1-1205-4F4B-8BD5-A214647D599D}" dt="2022-11-21T14:18:41.555" v="710" actId="255"/>
           <ac:spMkLst>
             <pc:docMk/>
             <pc:sldMk cId="2367655525" sldId="281"/>
@@ -201,7 +202,7 @@
         </pc:spChg>
       </pc:sldChg>
       <pc:sldChg chg="modSp add mod">
-        <pc:chgData name="Stefano Castagnoli" userId="b5b1c50746fa2fa2" providerId="LiveId" clId="{69A786B1-1205-4F4B-8BD5-A214647D599D}" dt="2022-11-20T14:11:02.252" v="704" actId="108"/>
+        <pc:chgData name="Stefano Castagnoli" userId="b5b1c50746fa2fa2" providerId="LiveId" clId="{69A786B1-1205-4F4B-8BD5-A214647D599D}" dt="2022-11-21T14:26:26.524" v="711" actId="255"/>
         <pc:sldMkLst>
           <pc:docMk/>
           <pc:sldMk cId="2861728545" sldId="282"/>
@@ -215,7 +216,7 @@
           </ac:spMkLst>
         </pc:spChg>
         <pc:spChg chg="mod">
-          <ac:chgData name="Stefano Castagnoli" userId="b5b1c50746fa2fa2" providerId="LiveId" clId="{69A786B1-1205-4F4B-8BD5-A214647D599D}" dt="2022-11-20T14:11:02.252" v="704" actId="108"/>
+          <ac:chgData name="Stefano Castagnoli" userId="b5b1c50746fa2fa2" providerId="LiveId" clId="{69A786B1-1205-4F4B-8BD5-A214647D599D}" dt="2022-11-21T14:26:26.524" v="711" actId="255"/>
           <ac:spMkLst>
             <pc:docMk/>
             <pc:sldMk cId="2861728545" sldId="282"/>
@@ -231,11 +232,41 @@
           </ac:spMkLst>
         </pc:spChg>
       </pc:sldChg>
+      <pc:sldChg chg="modSp new del mod">
+        <pc:chgData name="Stefano Castagnoli" userId="b5b1c50746fa2fa2" providerId="LiveId" clId="{69A786B1-1205-4F4B-8BD5-A214647D599D}" dt="2022-11-21T15:33:56.244" v="749" actId="47"/>
+        <pc:sldMkLst>
+          <pc:docMk/>
+          <pc:sldMk cId="78395177" sldId="283"/>
+        </pc:sldMkLst>
+        <pc:spChg chg="mod">
+          <ac:chgData name="Stefano Castagnoli" userId="b5b1c50746fa2fa2" providerId="LiveId" clId="{69A786B1-1205-4F4B-8BD5-A214647D599D}" dt="2022-11-21T15:02:14.011" v="719" actId="20577"/>
+          <ac:spMkLst>
+            <pc:docMk/>
+            <pc:sldMk cId="78395177" sldId="283"/>
+            <ac:spMk id="2" creationId="{EA7A3BB0-5B4B-C13E-45EE-31263D7E5369}"/>
+          </ac:spMkLst>
+        </pc:spChg>
+        <pc:spChg chg="mod">
+          <ac:chgData name="Stefano Castagnoli" userId="b5b1c50746fa2fa2" providerId="LiveId" clId="{69A786B1-1205-4F4B-8BD5-A214647D599D}" dt="2022-11-21T15:02:23.108" v="748" actId="20577"/>
+          <ac:spMkLst>
+            <pc:docMk/>
+            <pc:sldMk cId="78395177" sldId="283"/>
+            <ac:spMk id="3" creationId="{EB053F36-6C24-1CD1-CB92-D311E35B6D8D}"/>
+          </ac:spMkLst>
+        </pc:spChg>
+      </pc:sldChg>
       <pc:sldChg chg="new del">
         <pc:chgData name="Stefano Castagnoli" userId="b5b1c50746fa2fa2" providerId="LiveId" clId="{69A786B1-1205-4F4B-8BD5-A214647D599D}" dt="2022-11-20T13:55:09.515" v="377" actId="680"/>
         <pc:sldMkLst>
           <pc:docMk/>
           <pc:sldMk cId="1899296438" sldId="283"/>
+        </pc:sldMkLst>
+      </pc:sldChg>
+      <pc:sldChg chg="add del">
+        <pc:chgData name="Stefano Castagnoli" userId="b5b1c50746fa2fa2" providerId="LiveId" clId="{69A786B1-1205-4F4B-8BD5-A214647D599D}" dt="2022-11-21T15:02:07.980" v="713" actId="2890"/>
+        <pc:sldMkLst>
+          <pc:docMk/>
+          <pc:sldMk cId="3705168448" sldId="283"/>
         </pc:sldMkLst>
       </pc:sldChg>
     </pc:docChg>
@@ -390,7 +421,7 @@
           <a:p>
             <a:fld id="{AB3BDD08-79C0-4109-B64D-4BA208C54455}" type="datetimeFigureOut">
               <a:rPr lang="it-IT" smtClean="0"/>
-              <a:t>20/11/2022</a:t>
+              <a:t>26/11/2022</a:t>
             </a:fld>
             <a:endParaRPr lang="it-IT"/>
           </a:p>
@@ -588,7 +619,7 @@
           <a:p>
             <a:fld id="{AB3BDD08-79C0-4109-B64D-4BA208C54455}" type="datetimeFigureOut">
               <a:rPr lang="it-IT" smtClean="0"/>
-              <a:t>20/11/2022</a:t>
+              <a:t>26/11/2022</a:t>
             </a:fld>
             <a:endParaRPr lang="it-IT"/>
           </a:p>
@@ -796,7 +827,7 @@
           <a:p>
             <a:fld id="{AB3BDD08-79C0-4109-B64D-4BA208C54455}" type="datetimeFigureOut">
               <a:rPr lang="it-IT" smtClean="0"/>
-              <a:t>20/11/2022</a:t>
+              <a:t>26/11/2022</a:t>
             </a:fld>
             <a:endParaRPr lang="it-IT"/>
           </a:p>
@@ -994,7 +1025,7 @@
           <a:p>
             <a:fld id="{AB3BDD08-79C0-4109-B64D-4BA208C54455}" type="datetimeFigureOut">
               <a:rPr lang="it-IT" smtClean="0"/>
-              <a:t>20/11/2022</a:t>
+              <a:t>26/11/2022</a:t>
             </a:fld>
             <a:endParaRPr lang="it-IT"/>
           </a:p>
@@ -1269,7 +1300,7 @@
           <a:p>
             <a:fld id="{AB3BDD08-79C0-4109-B64D-4BA208C54455}" type="datetimeFigureOut">
               <a:rPr lang="it-IT" smtClean="0"/>
-              <a:t>20/11/2022</a:t>
+              <a:t>26/11/2022</a:t>
             </a:fld>
             <a:endParaRPr lang="it-IT"/>
           </a:p>
@@ -1534,7 +1565,7 @@
           <a:p>
             <a:fld id="{AB3BDD08-79C0-4109-B64D-4BA208C54455}" type="datetimeFigureOut">
               <a:rPr lang="it-IT" smtClean="0"/>
-              <a:t>20/11/2022</a:t>
+              <a:t>26/11/2022</a:t>
             </a:fld>
             <a:endParaRPr lang="it-IT"/>
           </a:p>
@@ -1946,7 +1977,7 @@
           <a:p>
             <a:fld id="{AB3BDD08-79C0-4109-B64D-4BA208C54455}" type="datetimeFigureOut">
               <a:rPr lang="it-IT" smtClean="0"/>
-              <a:t>20/11/2022</a:t>
+              <a:t>26/11/2022</a:t>
             </a:fld>
             <a:endParaRPr lang="it-IT"/>
           </a:p>
@@ -2087,7 +2118,7 @@
           <a:p>
             <a:fld id="{AB3BDD08-79C0-4109-B64D-4BA208C54455}" type="datetimeFigureOut">
               <a:rPr lang="it-IT" smtClean="0"/>
-              <a:t>20/11/2022</a:t>
+              <a:t>26/11/2022</a:t>
             </a:fld>
             <a:endParaRPr lang="it-IT"/>
           </a:p>
@@ -2200,7 +2231,7 @@
           <a:p>
             <a:fld id="{AB3BDD08-79C0-4109-B64D-4BA208C54455}" type="datetimeFigureOut">
               <a:rPr lang="it-IT" smtClean="0"/>
-              <a:t>20/11/2022</a:t>
+              <a:t>26/11/2022</a:t>
             </a:fld>
             <a:endParaRPr lang="it-IT"/>
           </a:p>
@@ -2511,7 +2542,7 @@
           <a:p>
             <a:fld id="{AB3BDD08-79C0-4109-B64D-4BA208C54455}" type="datetimeFigureOut">
               <a:rPr lang="it-IT" smtClean="0"/>
-              <a:t>20/11/2022</a:t>
+              <a:t>26/11/2022</a:t>
             </a:fld>
             <a:endParaRPr lang="it-IT"/>
           </a:p>
@@ -2799,7 +2830,7 @@
           <a:p>
             <a:fld id="{AB3BDD08-79C0-4109-B64D-4BA208C54455}" type="datetimeFigureOut">
               <a:rPr lang="it-IT" smtClean="0"/>
-              <a:t>20/11/2022</a:t>
+              <a:t>26/11/2022</a:t>
             </a:fld>
             <a:endParaRPr lang="it-IT"/>
           </a:p>
@@ -3040,7 +3071,7 @@
           <a:p>
             <a:fld id="{AB3BDD08-79C0-4109-B64D-4BA208C54455}" type="datetimeFigureOut">
               <a:rPr lang="it-IT" smtClean="0"/>
-              <a:t>20/11/2022</a:t>
+              <a:t>26/11/2022</a:t>
             </a:fld>
             <a:endParaRPr lang="it-IT"/>
           </a:p>
@@ -4313,8 +4344,24 @@
             </a:r>
             <a:r>
               <a:rPr lang="it-IT" sz="3200" dirty="0"/>
-              <a:t>:</a:t>
-            </a:r>
+              <a:t>: </a:t>
+            </a:r>
+            <a:r>
+              <a:rPr lang="it-IT" dirty="0">
+                <a:latin typeface="Calibri (corpo)"/>
+                <a:cs typeface="Courier New" panose="02070309020205020404" pitchFamily="49" charset="0"/>
+                <a:hlinkClick r:id="rId2"/>
+              </a:rPr>
+              <a:t>https://dockerlabs.collabnix.com/docker/cheatsheet/</a:t>
+            </a:r>
+            <a:endParaRPr lang="it-IT" dirty="0">
+              <a:latin typeface="Calibri (corpo)"/>
+              <a:cs typeface="Courier New" panose="02070309020205020404" pitchFamily="49" charset="0"/>
+            </a:endParaRPr>
+          </a:p>
+          <a:p>
+            <a:pPr lvl="1"/>
+            <a:endParaRPr lang="it-IT" sz="3200" dirty="0"/>
           </a:p>
           <a:p>
             <a:pPr lvl="1"/>
@@ -4612,15 +4659,15 @@
               <a:buNone/>
             </a:pPr>
             <a:r>
-              <a:rPr lang="it-IT" sz="2000" dirty="0"/>
+              <a:rPr lang="it-IT" sz="1800" dirty="0"/>
               <a:t>(scambiando </a:t>
             </a:r>
             <a:r>
-              <a:rPr lang="it-IT" sz="2000" dirty="0" err="1"/>
+              <a:rPr lang="it-IT" sz="1800" dirty="0" err="1"/>
               <a:t>nomeFileLocale</a:t>
             </a:r>
             <a:r>
-              <a:rPr lang="it-IT" sz="2000" dirty="0"/>
+              <a:rPr lang="it-IT" sz="1800" dirty="0"/>
               <a:t> e utente@hostRemoto:/percorso/remoto/ la copia avviene nel senso opposto)</a:t>
             </a:r>
           </a:p>
@@ -4728,6 +4775,439 @@
     <p:extLst>
       <p:ext uri="{BB962C8B-B14F-4D97-AF65-F5344CB8AC3E}">
         <p14:creationId xmlns:p14="http://schemas.microsoft.com/office/powerpoint/2010/main" val="2861728545"/>
+      </p:ext>
+    </p:extLst>
+  </p:cSld>
+  <p:clrMapOvr>
+    <a:masterClrMapping/>
+  </p:clrMapOvr>
+</p:sld>
+</file>
+
+<file path=ppt/slides/slide4.xml><?xml version="1.0" encoding="utf-8"?>
+<p:sld xmlns:a="http://schemas.openxmlformats.org/drawingml/2006/main" xmlns:r="http://schemas.openxmlformats.org/officeDocument/2006/relationships" xmlns:p="http://schemas.openxmlformats.org/presentationml/2006/main">
+  <p:cSld>
+    <p:spTree>
+      <p:nvGrpSpPr>
+        <p:cNvPr id="1" name=""/>
+        <p:cNvGrpSpPr/>
+        <p:nvPr/>
+      </p:nvGrpSpPr>
+      <p:grpSpPr>
+        <a:xfrm>
+          <a:off x="0" y="0"/>
+          <a:ext cx="0" cy="0"/>
+          <a:chOff x="0" y="0"/>
+          <a:chExt cx="0" cy="0"/>
+        </a:xfrm>
+      </p:grpSpPr>
+      <p:sp>
+        <p:nvSpPr>
+          <p:cNvPr id="2" name="Titolo 1">
+            <a:extLst>
+              <a:ext uri="{FF2B5EF4-FFF2-40B4-BE49-F238E27FC236}">
+                <a16:creationId xmlns:a16="http://schemas.microsoft.com/office/drawing/2014/main" id="{414AFC4F-2238-77C0-9926-702384EA80F3}"/>
+              </a:ext>
+            </a:extLst>
+          </p:cNvPr>
+          <p:cNvSpPr>
+            <a:spLocks noGrp="1"/>
+          </p:cNvSpPr>
+          <p:nvPr>
+            <p:ph type="title"/>
+          </p:nvPr>
+        </p:nvSpPr>
+        <p:spPr/>
+        <p:txBody>
+          <a:bodyPr/>
+          <a:lstStyle/>
+          <a:p>
+            <a:r>
+              <a:rPr lang="it-IT" dirty="0"/>
+              <a:t>Test web services da CUI</a:t>
+            </a:r>
+          </a:p>
+        </p:txBody>
+      </p:sp>
+      <p:sp>
+        <p:nvSpPr>
+          <p:cNvPr id="3" name="Segnaposto contenuto 2">
+            <a:extLst>
+              <a:ext uri="{FF2B5EF4-FFF2-40B4-BE49-F238E27FC236}">
+                <a16:creationId xmlns:a16="http://schemas.microsoft.com/office/drawing/2014/main" id="{9139A51D-FF2F-A223-A571-C3FAE0F7319A}"/>
+              </a:ext>
+            </a:extLst>
+          </p:cNvPr>
+          <p:cNvSpPr>
+            <a:spLocks noGrp="1"/>
+          </p:cNvSpPr>
+          <p:nvPr>
+            <p:ph idx="1"/>
+          </p:nvPr>
+        </p:nvSpPr>
+        <p:spPr>
+          <a:xfrm>
+            <a:off x="838200" y="1548533"/>
+            <a:ext cx="11259128" cy="5531139"/>
+          </a:xfrm>
+        </p:spPr>
+        <p:txBody>
+          <a:bodyPr>
+            <a:normAutofit/>
+          </a:bodyPr>
+          <a:lstStyle/>
+          <a:p>
+            <a:pPr lvl="1"/>
+            <a:r>
+              <a:rPr lang="it-IT" sz="3600" dirty="0"/>
+              <a:t>GET</a:t>
+            </a:r>
+          </a:p>
+          <a:p>
+            <a:pPr marL="457200" lvl="1" indent="0">
+              <a:buNone/>
+            </a:pPr>
+            <a:r>
+              <a:rPr lang="it-IT" sz="1600" dirty="0" err="1">
+                <a:latin typeface="Courier New" panose="02070309020205020404" pitchFamily="49" charset="0"/>
+                <a:cs typeface="Courier New" panose="02070309020205020404" pitchFamily="49" charset="0"/>
+              </a:rPr>
+              <a:t>curl</a:t>
+            </a:r>
+            <a:r>
+              <a:rPr lang="it-IT" sz="1600" dirty="0">
+                <a:latin typeface="Courier New" panose="02070309020205020404" pitchFamily="49" charset="0"/>
+                <a:cs typeface="Courier New" panose="02070309020205020404" pitchFamily="49" charset="0"/>
+              </a:rPr>
+              <a:t> unibo.it</a:t>
+            </a:r>
+          </a:p>
+          <a:p>
+            <a:pPr marL="457200" lvl="1" indent="0">
+              <a:buNone/>
+            </a:pPr>
+            <a:r>
+              <a:rPr lang="it-IT" sz="1600" dirty="0" err="1">
+                <a:latin typeface="Courier New" panose="02070309020205020404" pitchFamily="49" charset="0"/>
+                <a:cs typeface="Courier New" panose="02070309020205020404" pitchFamily="49" charset="0"/>
+              </a:rPr>
+              <a:t>curl</a:t>
+            </a:r>
+            <a:r>
+              <a:rPr lang="it-IT" sz="1600" dirty="0">
+                <a:latin typeface="Courier New" panose="02070309020205020404" pitchFamily="49" charset="0"/>
+                <a:cs typeface="Courier New" panose="02070309020205020404" pitchFamily="49" charset="0"/>
+              </a:rPr>
+              <a:t> ispascalcomandini.it -i</a:t>
+            </a:r>
+          </a:p>
+          <a:p>
+            <a:pPr marL="457200" lvl="1" indent="0">
+              <a:buNone/>
+            </a:pPr>
+            <a:r>
+              <a:rPr lang="it-IT" sz="1600" dirty="0" err="1">
+                <a:latin typeface="Courier New" panose="02070309020205020404" pitchFamily="49" charset="0"/>
+                <a:cs typeface="Courier New" panose="02070309020205020404" pitchFamily="49" charset="0"/>
+              </a:rPr>
+              <a:t>curl</a:t>
+            </a:r>
+            <a:r>
+              <a:rPr lang="it-IT" sz="1600" dirty="0">
+                <a:latin typeface="Courier New" panose="02070309020205020404" pitchFamily="49" charset="0"/>
+                <a:cs typeface="Courier New" panose="02070309020205020404" pitchFamily="49" charset="0"/>
+              </a:rPr>
+              <a:t> italia.it –o </a:t>
+            </a:r>
+            <a:r>
+              <a:rPr lang="it-IT" sz="1600" dirty="0" err="1">
+                <a:latin typeface="Courier New" panose="02070309020205020404" pitchFamily="49" charset="0"/>
+                <a:cs typeface="Courier New" panose="02070309020205020404" pitchFamily="49" charset="0"/>
+              </a:rPr>
+              <a:t>nomeFile</a:t>
+            </a:r>
+            <a:endParaRPr lang="it-IT" sz="1600" dirty="0">
+              <a:latin typeface="Courier New" panose="02070309020205020404" pitchFamily="49" charset="0"/>
+              <a:cs typeface="Courier New" panose="02070309020205020404" pitchFamily="49" charset="0"/>
+            </a:endParaRPr>
+          </a:p>
+          <a:p>
+            <a:pPr marL="457200" lvl="1" indent="0">
+              <a:buNone/>
+            </a:pPr>
+            <a:endParaRPr lang="it-IT" sz="1600" dirty="0">
+              <a:latin typeface="Courier New" panose="02070309020205020404" pitchFamily="49" charset="0"/>
+              <a:cs typeface="Courier New" panose="02070309020205020404" pitchFamily="49" charset="0"/>
+            </a:endParaRPr>
+          </a:p>
+          <a:p>
+            <a:pPr lvl="1"/>
+            <a:r>
+              <a:rPr lang="it-IT" sz="3600" dirty="0"/>
+              <a:t>POST dati JSON</a:t>
+            </a:r>
+          </a:p>
+          <a:p>
+            <a:pPr marL="457200" lvl="1" indent="0">
+              <a:buNone/>
+            </a:pPr>
+            <a:r>
+              <a:rPr lang="it-IT" sz="3600" dirty="0"/>
+              <a:t> </a:t>
+            </a:r>
+            <a:r>
+              <a:rPr lang="it-IT" sz="1500" dirty="0" err="1">
+                <a:latin typeface="Courier New" panose="02070309020205020404" pitchFamily="49" charset="0"/>
+                <a:cs typeface="Courier New" panose="02070309020205020404" pitchFamily="49" charset="0"/>
+              </a:rPr>
+              <a:t>curl</a:t>
+            </a:r>
+            <a:r>
+              <a:rPr lang="it-IT" sz="1500" dirty="0">
+                <a:latin typeface="Courier New" panose="02070309020205020404" pitchFamily="49" charset="0"/>
+                <a:cs typeface="Courier New" panose="02070309020205020404" pitchFamily="49" charset="0"/>
+              </a:rPr>
+              <a:t> -d '{"</a:t>
+            </a:r>
+            <a:r>
+              <a:rPr lang="it-IT" sz="1500" dirty="0" err="1">
+                <a:latin typeface="Courier New" panose="02070309020205020404" pitchFamily="49" charset="0"/>
+                <a:cs typeface="Courier New" panose="02070309020205020404" pitchFamily="49" charset="0"/>
+              </a:rPr>
+              <a:t>title</a:t>
+            </a:r>
+            <a:r>
+              <a:rPr lang="it-IT" sz="1500" dirty="0">
+                <a:latin typeface="Courier New" panose="02070309020205020404" pitchFamily="49" charset="0"/>
+                <a:cs typeface="Courier New" panose="02070309020205020404" pitchFamily="49" charset="0"/>
+              </a:rPr>
+              <a:t>":"titolo da console #1", "</a:t>
+            </a:r>
+            <a:r>
+              <a:rPr lang="it-IT" sz="1500" dirty="0" err="1">
+                <a:latin typeface="Courier New" panose="02070309020205020404" pitchFamily="49" charset="0"/>
+                <a:cs typeface="Courier New" panose="02070309020205020404" pitchFamily="49" charset="0"/>
+              </a:rPr>
+              <a:t>content</a:t>
+            </a:r>
+            <a:r>
+              <a:rPr lang="it-IT" sz="1500" dirty="0">
+                <a:latin typeface="Courier New" panose="02070309020205020404" pitchFamily="49" charset="0"/>
+                <a:cs typeface="Courier New" panose="02070309020205020404" pitchFamily="49" charset="0"/>
+              </a:rPr>
+              <a:t>":"contenuto da console #1"}' -H "Content-</a:t>
+            </a:r>
+            <a:r>
+              <a:rPr lang="it-IT" sz="1500" dirty="0" err="1">
+                <a:latin typeface="Courier New" panose="02070309020205020404" pitchFamily="49" charset="0"/>
+                <a:cs typeface="Courier New" panose="02070309020205020404" pitchFamily="49" charset="0"/>
+              </a:rPr>
+              <a:t>Type</a:t>
+            </a:r>
+            <a:r>
+              <a:rPr lang="it-IT" sz="1500" dirty="0">
+                <a:latin typeface="Courier New" panose="02070309020205020404" pitchFamily="49" charset="0"/>
+                <a:cs typeface="Courier New" panose="02070309020205020404" pitchFamily="49" charset="0"/>
+              </a:rPr>
+              <a:t>: </a:t>
+            </a:r>
+            <a:r>
+              <a:rPr lang="it-IT" sz="1500" dirty="0" err="1">
+                <a:latin typeface="Courier New" panose="02070309020205020404" pitchFamily="49" charset="0"/>
+                <a:cs typeface="Courier New" panose="02070309020205020404" pitchFamily="49" charset="0"/>
+              </a:rPr>
+              <a:t>application</a:t>
+            </a:r>
+            <a:r>
+              <a:rPr lang="it-IT" sz="1500" dirty="0">
+                <a:latin typeface="Courier New" panose="02070309020205020404" pitchFamily="49" charset="0"/>
+                <a:cs typeface="Courier New" panose="02070309020205020404" pitchFamily="49" charset="0"/>
+              </a:rPr>
+              <a:t>/</a:t>
+            </a:r>
+            <a:r>
+              <a:rPr lang="it-IT" sz="1500" dirty="0" err="1">
+                <a:latin typeface="Courier New" panose="02070309020205020404" pitchFamily="49" charset="0"/>
+                <a:cs typeface="Courier New" panose="02070309020205020404" pitchFamily="49" charset="0"/>
+              </a:rPr>
+              <a:t>json</a:t>
+            </a:r>
+            <a:r>
+              <a:rPr lang="it-IT" sz="1500" dirty="0">
+                <a:latin typeface="Courier New" panose="02070309020205020404" pitchFamily="49" charset="0"/>
+                <a:cs typeface="Courier New" panose="02070309020205020404" pitchFamily="49" charset="0"/>
+              </a:rPr>
+              <a:t>" -X POST </a:t>
+            </a:r>
+            <a:r>
+              <a:rPr lang="it-IT" sz="1500" dirty="0">
+                <a:latin typeface="Courier New" panose="02070309020205020404" pitchFamily="49" charset="0"/>
+                <a:cs typeface="Courier New" panose="02070309020205020404" pitchFamily="49" charset="0"/>
+                <a:hlinkClick r:id="rId2"/>
+              </a:rPr>
+              <a:t>http://192.168.178.106:8080/notes</a:t>
+            </a:r>
+            <a:endParaRPr lang="it-IT" sz="1500" dirty="0">
+              <a:latin typeface="Courier New" panose="02070309020205020404" pitchFamily="49" charset="0"/>
+              <a:cs typeface="Courier New" panose="02070309020205020404" pitchFamily="49" charset="0"/>
+            </a:endParaRPr>
+          </a:p>
+          <a:p>
+            <a:pPr marL="457200" lvl="1" indent="0">
+              <a:buNone/>
+            </a:pPr>
+            <a:endParaRPr lang="it-IT" sz="1500" dirty="0">
+              <a:latin typeface="Courier New" panose="02070309020205020404" pitchFamily="49" charset="0"/>
+              <a:cs typeface="Courier New" panose="02070309020205020404" pitchFamily="49" charset="0"/>
+            </a:endParaRPr>
+          </a:p>
+          <a:p>
+            <a:pPr lvl="1"/>
+            <a:r>
+              <a:rPr lang="it-IT" sz="3600" dirty="0"/>
+              <a:t>POST file JSON</a:t>
+            </a:r>
+          </a:p>
+          <a:p>
+            <a:pPr marL="457200" lvl="1" indent="0">
+              <a:buNone/>
+            </a:pPr>
+            <a:r>
+              <a:rPr lang="it-IT" sz="1600" dirty="0" err="1">
+                <a:latin typeface="Courier New" panose="02070309020205020404" pitchFamily="49" charset="0"/>
+                <a:cs typeface="Courier New" panose="02070309020205020404" pitchFamily="49" charset="0"/>
+              </a:rPr>
+              <a:t>curl</a:t>
+            </a:r>
+            <a:r>
+              <a:rPr lang="it-IT" sz="1600" dirty="0">
+                <a:latin typeface="Courier New" panose="02070309020205020404" pitchFamily="49" charset="0"/>
+                <a:cs typeface="Courier New" panose="02070309020205020404" pitchFamily="49" charset="0"/>
+              </a:rPr>
+              <a:t> -v -X POST -H "Content-</a:t>
+            </a:r>
+            <a:r>
+              <a:rPr lang="it-IT" sz="1600" dirty="0" err="1">
+                <a:latin typeface="Courier New" panose="02070309020205020404" pitchFamily="49" charset="0"/>
+                <a:cs typeface="Courier New" panose="02070309020205020404" pitchFamily="49" charset="0"/>
+              </a:rPr>
+              <a:t>Type</a:t>
+            </a:r>
+            <a:r>
+              <a:rPr lang="it-IT" sz="1600" dirty="0">
+                <a:latin typeface="Courier New" panose="02070309020205020404" pitchFamily="49" charset="0"/>
+                <a:cs typeface="Courier New" panose="02070309020205020404" pitchFamily="49" charset="0"/>
+              </a:rPr>
+              <a:t>: </a:t>
+            </a:r>
+            <a:r>
+              <a:rPr lang="it-IT" sz="1600" dirty="0" err="1">
+                <a:latin typeface="Courier New" panose="02070309020205020404" pitchFamily="49" charset="0"/>
+                <a:cs typeface="Courier New" panose="02070309020205020404" pitchFamily="49" charset="0"/>
+              </a:rPr>
+              <a:t>application</a:t>
+            </a:r>
+            <a:r>
+              <a:rPr lang="it-IT" sz="1600" dirty="0">
+                <a:latin typeface="Courier New" panose="02070309020205020404" pitchFamily="49" charset="0"/>
+                <a:cs typeface="Courier New" panose="02070309020205020404" pitchFamily="49" charset="0"/>
+              </a:rPr>
+              <a:t>/</a:t>
+            </a:r>
+            <a:r>
+              <a:rPr lang="it-IT" sz="1600" dirty="0" err="1">
+                <a:latin typeface="Courier New" panose="02070309020205020404" pitchFamily="49" charset="0"/>
+                <a:cs typeface="Courier New" panose="02070309020205020404" pitchFamily="49" charset="0"/>
+              </a:rPr>
+              <a:t>json</a:t>
+            </a:r>
+            <a:r>
+              <a:rPr lang="it-IT" sz="1600" dirty="0">
+                <a:latin typeface="Courier New" panose="02070309020205020404" pitchFamily="49" charset="0"/>
+                <a:cs typeface="Courier New" panose="02070309020205020404" pitchFamily="49" charset="0"/>
+              </a:rPr>
+              <a:t>" -</a:t>
+            </a:r>
+            <a:r>
+              <a:rPr lang="it-IT" sz="1600" dirty="0" err="1">
+                <a:latin typeface="Courier New" panose="02070309020205020404" pitchFamily="49" charset="0"/>
+                <a:cs typeface="Courier New" panose="02070309020205020404" pitchFamily="49" charset="0"/>
+              </a:rPr>
+              <a:t>d@dato.json</a:t>
+            </a:r>
+            <a:r>
+              <a:rPr lang="it-IT" sz="1600" dirty="0">
+                <a:latin typeface="Courier New" panose="02070309020205020404" pitchFamily="49" charset="0"/>
+                <a:cs typeface="Courier New" panose="02070309020205020404" pitchFamily="49" charset="0"/>
+              </a:rPr>
+              <a:t> http://192.168.178.106:8080/notes</a:t>
+            </a:r>
+          </a:p>
+        </p:txBody>
+      </p:sp>
+      <p:sp>
+        <p:nvSpPr>
+          <p:cNvPr id="4" name="Titolo 1">
+            <a:extLst>
+              <a:ext uri="{FF2B5EF4-FFF2-40B4-BE49-F238E27FC236}">
+                <a16:creationId xmlns:a16="http://schemas.microsoft.com/office/drawing/2014/main" id="{CA447257-0F95-CFEE-5CAF-840CC70C1F04}"/>
+              </a:ext>
+            </a:extLst>
+          </p:cNvPr>
+          <p:cNvSpPr txBox="1">
+            <a:spLocks/>
+          </p:cNvSpPr>
+          <p:nvPr/>
+        </p:nvSpPr>
+        <p:spPr>
+          <a:xfrm rot="10800000">
+            <a:off x="94673" y="482744"/>
+            <a:ext cx="662709" cy="5892511"/>
+          </a:xfrm>
+          <a:prstGeom prst="rect">
+            <a:avLst/>
+          </a:prstGeom>
+        </p:spPr>
+        <p:txBody>
+          <a:bodyPr vert="vert" lIns="91440" tIns="45720" rIns="91440" bIns="45720" rtlCol="0" anchor="ctr">
+            <a:normAutofit fontScale="92500" lnSpcReduction="20000"/>
+          </a:bodyPr>
+          <a:lstStyle>
+            <a:lvl1pPr algn="l" defTabSz="914400" rtl="0" eaLnBrk="1" latinLnBrk="0" hangingPunct="1">
+              <a:lnSpc>
+                <a:spcPct val="90000"/>
+              </a:lnSpc>
+              <a:spcBef>
+                <a:spcPct val="0"/>
+              </a:spcBef>
+              <a:buNone/>
+              <a:defRPr sz="4400" kern="1200">
+                <a:solidFill>
+                  <a:schemeClr val="tx1"/>
+                </a:solidFill>
+                <a:latin typeface="+mj-lt"/>
+                <a:ea typeface="+mj-ea"/>
+                <a:cs typeface="+mj-cs"/>
+              </a:defRPr>
+            </a:lvl1pPr>
+          </a:lstStyle>
+          <a:p>
+            <a:r>
+              <a:rPr lang="it-IT" dirty="0"/>
+              <a:t>Richieste HTTP con </a:t>
+            </a:r>
+            <a:r>
+              <a:rPr lang="it-IT" dirty="0" err="1"/>
+              <a:t>curl</a:t>
+            </a:r>
+            <a:endParaRPr lang="it-IT" dirty="0"/>
+          </a:p>
+        </p:txBody>
+      </p:sp>
+    </p:spTree>
+    <p:extLst>
+      <p:ext uri="{BB962C8B-B14F-4D97-AF65-F5344CB8AC3E}">
+        <p14:creationId xmlns:p14="http://schemas.microsoft.com/office/powerpoint/2010/main" val="3510511085"/>
       </p:ext>
     </p:extLst>
   </p:cSld>
